--- a/フレームワークver2.pptx
+++ b/フレームワークver2.pptx
@@ -660,6 +660,90 @@
     <p:extLst>
       <p:ext uri="{BB962C8B-B14F-4D97-AF65-F5344CB8AC3E}">
         <p14:creationId xmlns:p14="http://schemas.microsoft.com/office/powerpoint/2010/main" val="3389677182"/>
+      </p:ext>
+    </p:extLst>
+  </p:cSld>
+  <p:clrMapOvr>
+    <a:masterClrMapping/>
+  </p:clrMapOvr>
+</p:notes>
+</file>
+
+<file path=ppt/notesSlides/notesSlide3.xml><?xml version="1.0" encoding="utf-8"?>
+<p:notes xmlns:a="http://schemas.openxmlformats.org/drawingml/2006/main" xmlns:r="http://schemas.openxmlformats.org/officeDocument/2006/relationships" xmlns:p="http://schemas.openxmlformats.org/presentationml/2006/main">
+  <p:cSld>
+    <p:spTree>
+      <p:nvGrpSpPr>
+        <p:cNvPr id="1" name=""/>
+        <p:cNvGrpSpPr/>
+        <p:nvPr/>
+      </p:nvGrpSpPr>
+      <p:grpSpPr>
+        <a:xfrm>
+          <a:off x="0" y="0"/>
+          <a:ext cx="0" cy="0"/>
+          <a:chOff x="0" y="0"/>
+          <a:chExt cx="0" cy="0"/>
+        </a:xfrm>
+      </p:grpSpPr>
+      <p:sp>
+        <p:nvSpPr>
+          <p:cNvPr id="2" name="スライド イメージ プレースホルダー 1"/>
+          <p:cNvSpPr>
+            <a:spLocks noGrp="1" noRot="1" noChangeAspect="1"/>
+          </p:cNvSpPr>
+          <p:nvPr>
+            <p:ph type="sldImg"/>
+          </p:nvPr>
+        </p:nvSpPr>
+        <p:spPr/>
+      </p:sp>
+      <p:sp>
+        <p:nvSpPr>
+          <p:cNvPr id="3" name="ノート プレースホルダー 2"/>
+          <p:cNvSpPr>
+            <a:spLocks noGrp="1"/>
+          </p:cNvSpPr>
+          <p:nvPr>
+            <p:ph type="body" idx="1"/>
+          </p:nvPr>
+        </p:nvSpPr>
+        <p:spPr/>
+        <p:txBody>
+          <a:bodyPr/>
+          <a:lstStyle/>
+          <a:p>
+            <a:endParaRPr kumimoji="1" lang="ja-JP" altLang="en-US"/>
+          </a:p>
+        </p:txBody>
+      </p:sp>
+      <p:sp>
+        <p:nvSpPr>
+          <p:cNvPr id="4" name="スライド番号プレースホルダー 3"/>
+          <p:cNvSpPr>
+            <a:spLocks noGrp="1"/>
+          </p:cNvSpPr>
+          <p:nvPr>
+            <p:ph type="sldNum" sz="quarter" idx="5"/>
+          </p:nvPr>
+        </p:nvSpPr>
+        <p:spPr/>
+        <p:txBody>
+          <a:bodyPr/>
+          <a:lstStyle/>
+          <a:p>
+            <a:fld id="{A90CFE3B-A749-1A4F-B032-C6FB0DE09425}" type="slidenum">
+              <a:rPr kumimoji="1" lang="ja-JP" altLang="en-US" smtClean="0"/>
+              <a:t>5</a:t>
+            </a:fld>
+            <a:endParaRPr kumimoji="1" lang="ja-JP" altLang="en-US"/>
+          </a:p>
+        </p:txBody>
+      </p:sp>
+    </p:spTree>
+    <p:extLst>
+      <p:ext uri="{BB962C8B-B14F-4D97-AF65-F5344CB8AC3E}">
+        <p14:creationId xmlns:p14="http://schemas.microsoft.com/office/powerpoint/2010/main" val="3509756073"/>
       </p:ext>
     </p:extLst>
   </p:cSld>
@@ -7311,8 +7395,8 @@
         </p:nvSpPr>
         <p:spPr>
           <a:xfrm>
-            <a:off x="6918353" y="575758"/>
-            <a:ext cx="3864371" cy="2948413"/>
+            <a:off x="6474373" y="575758"/>
+            <a:ext cx="4308352" cy="2948413"/>
           </a:xfrm>
           <a:prstGeom prst="rect">
             <a:avLst/>
@@ -7443,14 +7527,14 @@
           <p:nvPr>
             <p:extLst>
               <p:ext uri="{D42A27DB-BD31-4B8C-83A1-F6EECF244321}">
-                <p14:modId xmlns:p14="http://schemas.microsoft.com/office/powerpoint/2010/main" val="796354845"/>
+                <p14:modId xmlns:p14="http://schemas.microsoft.com/office/powerpoint/2010/main" val="3402331887"/>
               </p:ext>
             </p:extLst>
           </p:nvPr>
         </p:nvGraphicFramePr>
         <p:xfrm>
           <a:off x="7060455" y="1747142"/>
-          <a:ext cx="3526326" cy="914400"/>
+          <a:ext cx="3526327" cy="1074420"/>
         </p:xfrm>
         <a:graphic>
           <a:graphicData uri="http://schemas.openxmlformats.org/drawingml/2006/table">
@@ -7459,48 +7543,55 @@
                 <a:tableStyleId>{2D5ABB26-0587-4C30-8999-92F81FD0307C}</a:tableStyleId>
               </a:tblPr>
               <a:tblGrid>
-                <a:gridCol w="587721">
+                <a:gridCol w="503761">
                   <a:extLst>
                     <a:ext uri="{9D8B030D-6E8A-4147-A177-3AD203B41FA5}">
                       <a16:colId xmlns:a16="http://schemas.microsoft.com/office/drawing/2014/main" val="3100274438"/>
                     </a:ext>
                   </a:extLst>
                 </a:gridCol>
-                <a:gridCol w="587721">
+                <a:gridCol w="503761">
                   <a:extLst>
                     <a:ext uri="{9D8B030D-6E8A-4147-A177-3AD203B41FA5}">
                       <a16:colId xmlns:a16="http://schemas.microsoft.com/office/drawing/2014/main" val="2889001833"/>
                     </a:ext>
                   </a:extLst>
                 </a:gridCol>
-                <a:gridCol w="587721">
+                <a:gridCol w="503761">
                   <a:extLst>
                     <a:ext uri="{9D8B030D-6E8A-4147-A177-3AD203B41FA5}">
                       <a16:colId xmlns:a16="http://schemas.microsoft.com/office/drawing/2014/main" val="3047732395"/>
                     </a:ext>
                   </a:extLst>
                 </a:gridCol>
-                <a:gridCol w="587721">
+                <a:gridCol w="503761">
                   <a:extLst>
                     <a:ext uri="{9D8B030D-6E8A-4147-A177-3AD203B41FA5}">
                       <a16:colId xmlns:a16="http://schemas.microsoft.com/office/drawing/2014/main" val="979822747"/>
                     </a:ext>
                   </a:extLst>
                 </a:gridCol>
-                <a:gridCol w="587721">
+                <a:gridCol w="503761">
                   <a:extLst>
                     <a:ext uri="{9D8B030D-6E8A-4147-A177-3AD203B41FA5}">
                       <a16:colId xmlns:a16="http://schemas.microsoft.com/office/drawing/2014/main" val="635935242"/>
                     </a:ext>
                   </a:extLst>
                 </a:gridCol>
-                <a:gridCol w="587721">
+                <a:gridCol w="503761">
                   <a:extLst>
                     <a:ext uri="{9D8B030D-6E8A-4147-A177-3AD203B41FA5}">
                       <a16:colId xmlns:a16="http://schemas.microsoft.com/office/drawing/2014/main" val="3848621456"/>
                     </a:ext>
                   </a:extLst>
                 </a:gridCol>
+                <a:gridCol w="503761">
+                  <a:extLst>
+                    <a:ext uri="{9D8B030D-6E8A-4147-A177-3AD203B41FA5}">
+                      <a16:colId xmlns:a16="http://schemas.microsoft.com/office/drawing/2014/main" val="29165969"/>
+                    </a:ext>
+                  </a:extLst>
+                </a:gridCol>
               </a:tblGrid>
               <a:tr h="249195">
                 <a:tc>
@@ -7510,13 +7601,8 @@
                     <a:p>
                       <a:r>
                         <a:rPr kumimoji="1" lang="ja-JP" altLang="en-US" sz="1050"/>
-                        <a:t>商品</a:t>
+                        <a:t>カテゴリ</a:t>
                       </a:r>
-                      <a:r>
-                        <a:rPr kumimoji="1" lang="en-US" altLang="ja-JP" sz="1050" dirty="0"/>
-                        <a:t>ID</a:t>
-                      </a:r>
-                      <a:endParaRPr kumimoji="1" lang="ja-JP" altLang="en-US" sz="1050"/>
                     </a:p>
                   </a:txBody>
                   <a:tcPr>
@@ -7716,6 +7802,56 @@
                       <a:r>
                         <a:rPr kumimoji="1" lang="ja-JP" altLang="en-US" sz="1050"/>
                         <a:t>在庫</a:t>
+                      </a:r>
+                    </a:p>
+                  </a:txBody>
+                  <a:tcPr>
+                    <a:lnL w="12700" cap="flat" cmpd="sng" algn="ctr">
+                      <a:solidFill>
+                        <a:schemeClr val="tx1"/>
+                      </a:solidFill>
+                      <a:prstDash val="solid"/>
+                      <a:round/>
+                      <a:headEnd type="none" w="med" len="med"/>
+                      <a:tailEnd type="none" w="med" len="med"/>
+                    </a:lnL>
+                    <a:lnR w="12700" cap="flat" cmpd="sng" algn="ctr">
+                      <a:solidFill>
+                        <a:schemeClr val="tx1"/>
+                      </a:solidFill>
+                      <a:prstDash val="solid"/>
+                      <a:round/>
+                      <a:headEnd type="none" w="med" len="med"/>
+                      <a:tailEnd type="none" w="med" len="med"/>
+                    </a:lnR>
+                    <a:lnT w="12700" cap="flat" cmpd="sng" algn="ctr">
+                      <a:solidFill>
+                        <a:schemeClr val="tx1"/>
+                      </a:solidFill>
+                      <a:prstDash val="solid"/>
+                      <a:round/>
+                      <a:headEnd type="none" w="med" len="med"/>
+                      <a:tailEnd type="none" w="med" len="med"/>
+                    </a:lnT>
+                    <a:lnB w="12700" cap="flat" cmpd="sng" algn="ctr">
+                      <a:solidFill>
+                        <a:schemeClr val="tx1"/>
+                      </a:solidFill>
+                      <a:prstDash val="solid"/>
+                      <a:round/>
+                      <a:headEnd type="none" w="med" len="med"/>
+                      <a:tailEnd type="none" w="med" len="med"/>
+                    </a:lnB>
+                  </a:tcPr>
+                </a:tc>
+                <a:tc>
+                  <a:txBody>
+                    <a:bodyPr/>
+                    <a:lstStyle/>
+                    <a:p>
+                      <a:r>
+                        <a:rPr kumimoji="1" lang="ja-JP" altLang="en-US" sz="1050"/>
+                        <a:t>購入数</a:t>
                       </a:r>
                     </a:p>
                   </a:txBody>
@@ -8064,6 +8200,56 @@
                     <a:p>
                       <a:r>
                         <a:rPr kumimoji="1" lang="ja-JP" altLang="en-US" sz="1050"/>
+                        <a:t>　個</a:t>
+                      </a:r>
+                    </a:p>
+                  </a:txBody>
+                  <a:tcPr>
+                    <a:lnL w="12700" cap="flat" cmpd="sng" algn="ctr">
+                      <a:solidFill>
+                        <a:schemeClr val="tx1"/>
+                      </a:solidFill>
+                      <a:prstDash val="solid"/>
+                      <a:round/>
+                      <a:headEnd type="none" w="med" len="med"/>
+                      <a:tailEnd type="none" w="med" len="med"/>
+                    </a:lnL>
+                    <a:lnR w="12700" cap="flat" cmpd="sng" algn="ctr">
+                      <a:solidFill>
+                        <a:schemeClr val="tx1"/>
+                      </a:solidFill>
+                      <a:prstDash val="solid"/>
+                      <a:round/>
+                      <a:headEnd type="none" w="med" len="med"/>
+                      <a:tailEnd type="none" w="med" len="med"/>
+                    </a:lnR>
+                    <a:lnT w="12700" cap="flat" cmpd="sng" algn="ctr">
+                      <a:solidFill>
+                        <a:schemeClr val="tx1"/>
+                      </a:solidFill>
+                      <a:prstDash val="solid"/>
+                      <a:round/>
+                      <a:headEnd type="none" w="med" len="med"/>
+                      <a:tailEnd type="none" w="med" len="med"/>
+                    </a:lnT>
+                    <a:lnB w="12700" cap="flat" cmpd="sng" algn="ctr">
+                      <a:solidFill>
+                        <a:schemeClr val="tx1"/>
+                      </a:solidFill>
+                      <a:prstDash val="solid"/>
+                      <a:round/>
+                      <a:headEnd type="none" w="med" len="med"/>
+                      <a:tailEnd type="none" w="med" len="med"/>
+                    </a:lnB>
+                  </a:tcPr>
+                </a:tc>
+                <a:tc>
+                  <a:txBody>
+                    <a:bodyPr/>
+                    <a:lstStyle/>
+                    <a:p>
+                      <a:r>
+                        <a:rPr kumimoji="1" lang="ja-JP" altLang="en-US" sz="1050"/>
                         <a:t>購入</a:t>
                       </a:r>
                     </a:p>
@@ -8114,6 +8300,53 @@
                 </a:extLst>
               </a:tr>
               <a:tr h="249195">
+                <a:tc>
+                  <a:txBody>
+                    <a:bodyPr/>
+                    <a:lstStyle/>
+                    <a:p>
+                      <a:endParaRPr kumimoji="1" lang="ja-JP" altLang="en-US" sz="1050"/>
+                    </a:p>
+                  </a:txBody>
+                  <a:tcPr>
+                    <a:lnL w="12700" cap="flat" cmpd="sng" algn="ctr">
+                      <a:solidFill>
+                        <a:schemeClr val="tx1"/>
+                      </a:solidFill>
+                      <a:prstDash val="solid"/>
+                      <a:round/>
+                      <a:headEnd type="none" w="med" len="med"/>
+                      <a:tailEnd type="none" w="med" len="med"/>
+                    </a:lnL>
+                    <a:lnR w="12700" cap="flat" cmpd="sng" algn="ctr">
+                      <a:solidFill>
+                        <a:schemeClr val="tx1"/>
+                      </a:solidFill>
+                      <a:prstDash val="solid"/>
+                      <a:round/>
+                      <a:headEnd type="none" w="med" len="med"/>
+                      <a:tailEnd type="none" w="med" len="med"/>
+                    </a:lnR>
+                    <a:lnT w="12700" cap="flat" cmpd="sng" algn="ctr">
+                      <a:solidFill>
+                        <a:schemeClr val="tx1"/>
+                      </a:solidFill>
+                      <a:prstDash val="solid"/>
+                      <a:round/>
+                      <a:headEnd type="none" w="med" len="med"/>
+                      <a:tailEnd type="none" w="med" len="med"/>
+                    </a:lnT>
+                    <a:lnB w="12700" cap="flat" cmpd="sng" algn="ctr">
+                      <a:solidFill>
+                        <a:schemeClr val="tx1"/>
+                      </a:solidFill>
+                      <a:prstDash val="solid"/>
+                      <a:round/>
+                      <a:headEnd type="none" w="med" len="med"/>
+                      <a:tailEnd type="none" w="med" len="med"/>
+                    </a:lnB>
+                  </a:tcPr>
+                </a:tc>
                 <a:tc>
                   <a:txBody>
                     <a:bodyPr/>
@@ -8498,7 +8731,7 @@
         </p:nvSpPr>
         <p:spPr>
           <a:xfrm>
-            <a:off x="1495047" y="1148162"/>
+            <a:off x="1527026" y="1804742"/>
             <a:ext cx="1580709" cy="577081"/>
           </a:xfrm>
           <a:prstGeom prst="rect">
@@ -8512,10 +8745,6 @@
           </a:bodyPr>
           <a:lstStyle/>
           <a:p>
-            <a:r>
-              <a:rPr lang="ja-JP" altLang="en-US" sz="1050"/>
-              <a:t>▼トップス</a:t>
-            </a:r>
             <a:endParaRPr lang="en-US" altLang="ja-JP" sz="1050" dirty="0"/>
           </a:p>
           <a:p>
@@ -8563,8 +8792,8 @@
         </p:nvSpPr>
         <p:spPr>
           <a:xfrm>
-            <a:off x="1495047" y="1780648"/>
-            <a:ext cx="1580709" cy="577081"/>
+            <a:off x="1567226" y="2506366"/>
+            <a:ext cx="1580709" cy="415498"/>
           </a:xfrm>
           <a:prstGeom prst="rect">
             <a:avLst/>
@@ -8576,13 +8805,6 @@
             <a:spAutoFit/>
           </a:bodyPr>
           <a:lstStyle/>
-          <a:p>
-            <a:r>
-              <a:rPr lang="ja-JP" altLang="en-US" sz="1050"/>
-              <a:t>▼ボトムス</a:t>
-            </a:r>
-            <a:endParaRPr lang="en-US" altLang="ja-JP" sz="1050" dirty="0"/>
-          </a:p>
           <a:p>
             <a:r>
               <a:rPr lang="ja-JP" altLang="en-US" sz="1050"/>
@@ -8613,7 +8835,7 @@
         </p:nvSpPr>
         <p:spPr>
           <a:xfrm>
-            <a:off x="1495047" y="2389827"/>
+            <a:off x="1527026" y="3046407"/>
             <a:ext cx="1580709" cy="253916"/>
           </a:xfrm>
           <a:prstGeom prst="rect">
@@ -8629,12 +8851,9 @@
           <a:p>
             <a:r>
               <a:rPr lang="ja-JP" altLang="en-US" sz="1050"/>
-              <a:t>▶︎</a:t>
-            </a:r>
-            <a:r>
-              <a:rPr kumimoji="1" lang="ja-JP" altLang="en-US" sz="1050"/>
-              <a:t>アクセサリー</a:t>
-            </a:r>
+              <a:t>　ネックレス</a:t>
+            </a:r>
+            <a:endParaRPr kumimoji="1" lang="ja-JP" altLang="en-US" sz="1050"/>
           </a:p>
         </p:txBody>
       </p:sp>
@@ -8689,13 +8908,13 @@
         </p:nvSpPr>
         <p:spPr>
           <a:xfrm>
-            <a:off x="2877430" y="1148162"/>
-            <a:ext cx="1119883" cy="733174"/>
+            <a:off x="3037242" y="1997528"/>
+            <a:ext cx="1392255" cy="824034"/>
           </a:xfrm>
           <a:prstGeom prst="wedgeRoundRectCallout">
             <a:avLst>
-              <a:gd name="adj1" fmla="val -97294"/>
-              <a:gd name="adj2" fmla="val -32790"/>
+              <a:gd name="adj1" fmla="val -90500"/>
+              <a:gd name="adj2" fmla="val -37892"/>
               <a:gd name="adj3" fmla="val 16667"/>
             </a:avLst>
           </a:prstGeom>
@@ -8721,7 +8940,7 @@
             <a:pPr algn="ctr"/>
             <a:r>
               <a:rPr kumimoji="1" lang="ja-JP" altLang="en-US" sz="1050"/>
-              <a:t>プルダウンか</a:t>
+              <a:t>サムネイル</a:t>
             </a:r>
             <a:endParaRPr kumimoji="1" lang="en-US" altLang="ja-JP" sz="1050" dirty="0"/>
           </a:p>
@@ -8729,7 +8948,7 @@
             <a:pPr algn="ctr"/>
             <a:r>
               <a:rPr lang="ja-JP" altLang="en-US" sz="1050"/>
-              <a:t>たためる</a:t>
+              <a:t>カテゴリ名と名前を結びつける</a:t>
             </a:r>
             <a:endParaRPr lang="en-US" altLang="ja-JP" sz="1050" dirty="0"/>
           </a:p>
@@ -8737,7 +8956,11 @@
             <a:pPr algn="ctr"/>
             <a:r>
               <a:rPr kumimoji="1" lang="ja-JP" altLang="en-US" sz="1050"/>
-              <a:t>メニュー</a:t>
+              <a:t>商品</a:t>
+            </a:r>
+            <a:r>
+              <a:rPr kumimoji="1" lang="en-US" altLang="ja-JP" sz="1050" dirty="0" err="1"/>
+              <a:t>ID.jpeg</a:t>
             </a:r>
             <a:endParaRPr kumimoji="1" lang="en-US" altLang="ja-JP" sz="1050" dirty="0"/>
           </a:p>
@@ -8794,8 +9017,8 @@
         </p:nvSpPr>
         <p:spPr>
           <a:xfrm>
-            <a:off x="6996208" y="771263"/>
-            <a:ext cx="512387" cy="485990"/>
+            <a:off x="6608398" y="781072"/>
+            <a:ext cx="487158" cy="2462613"/>
           </a:xfrm>
           <a:prstGeom prst="roundRect">
             <a:avLst/>
@@ -8850,7 +9073,7 @@
         </p:nvCxnSpPr>
         <p:spPr>
           <a:xfrm>
-            <a:off x="7093359" y="918154"/>
+            <a:off x="6748014" y="900887"/>
             <a:ext cx="248194" cy="0"/>
           </a:xfrm>
           <a:prstGeom prst="line">
@@ -8889,7 +9112,7 @@
         </p:nvCxnSpPr>
         <p:spPr>
           <a:xfrm>
-            <a:off x="7093359" y="1012330"/>
+            <a:off x="6748014" y="995063"/>
             <a:ext cx="248194" cy="0"/>
           </a:xfrm>
           <a:prstGeom prst="line">
@@ -8928,7 +9151,7 @@
         </p:nvCxnSpPr>
         <p:spPr>
           <a:xfrm>
-            <a:off x="7093359" y="1119818"/>
+            <a:off x="6748014" y="1102551"/>
             <a:ext cx="248194" cy="0"/>
           </a:xfrm>
           <a:prstGeom prst="line">
@@ -8965,13 +9188,13 @@
         </p:nvSpPr>
         <p:spPr>
           <a:xfrm>
-            <a:off x="5556476" y="731292"/>
-            <a:ext cx="1119883" cy="1986270"/>
+            <a:off x="5141404" y="731292"/>
+            <a:ext cx="1534955" cy="1986270"/>
           </a:xfrm>
           <a:prstGeom prst="wedgeRoundRectCallout">
             <a:avLst>
-              <a:gd name="adj1" fmla="val 78839"/>
-              <a:gd name="adj2" fmla="val -39901"/>
+              <a:gd name="adj1" fmla="val 60351"/>
+              <a:gd name="adj2" fmla="val -37784"/>
               <a:gd name="adj3" fmla="val 16667"/>
             </a:avLst>
           </a:prstGeom>
@@ -8993,6 +9216,22 @@
         <p:txBody>
           <a:bodyPr rtlCol="0" anchor="ctr"/>
           <a:lstStyle/>
+          <a:p>
+            <a:pPr algn="ctr"/>
+            <a:r>
+              <a:rPr lang="ja-JP" altLang="en-US" sz="1050"/>
+              <a:t>最初は</a:t>
+            </a:r>
+            <a:r>
+              <a:rPr lang="en-US" altLang="ja-JP" sz="1050" dirty="0"/>
+              <a:t>li</a:t>
+            </a:r>
+            <a:r>
+              <a:rPr lang="ja-JP" altLang="en-US" sz="1050"/>
+              <a:t>で並べる</a:t>
+            </a:r>
+            <a:endParaRPr kumimoji="1" lang="en-US" altLang="ja-JP" sz="1050" dirty="0"/>
+          </a:p>
           <a:p>
             <a:pPr algn="ctr"/>
             <a:r>
@@ -9054,8 +9293,8 @@
           </a:xfrm>
           <a:prstGeom prst="wedgeRoundRectCallout">
             <a:avLst>
-              <a:gd name="adj1" fmla="val 24153"/>
-              <a:gd name="adj2" fmla="val -105054"/>
+              <a:gd name="adj1" fmla="val 7319"/>
+              <a:gd name="adj2" fmla="val -83716"/>
               <a:gd name="adj3" fmla="val 16667"/>
             </a:avLst>
           </a:prstGeom>
@@ -9116,13 +9355,13 @@
         </p:nvSpPr>
         <p:spPr>
           <a:xfrm>
-            <a:off x="6962997" y="2539971"/>
-            <a:ext cx="1119883" cy="378637"/>
+            <a:off x="6628947" y="2568006"/>
+            <a:ext cx="1498397" cy="520549"/>
           </a:xfrm>
           <a:prstGeom prst="wedgeRoundRectCallout">
             <a:avLst>
-              <a:gd name="adj1" fmla="val 80007"/>
-              <a:gd name="adj2" fmla="val -125585"/>
+              <a:gd name="adj1" fmla="val 64575"/>
+              <a:gd name="adj2" fmla="val -95299"/>
               <a:gd name="adj3" fmla="val 16667"/>
             </a:avLst>
           </a:prstGeom>
@@ -9150,6 +9389,14 @@
               <a:rPr lang="ja-JP" altLang="en-US" sz="1050"/>
               <a:t>プルダウン</a:t>
             </a:r>
+            <a:endParaRPr lang="en-US" altLang="ja-JP" sz="1050" dirty="0"/>
+          </a:p>
+          <a:p>
+            <a:pPr algn="ctr"/>
+            <a:r>
+              <a:rPr kumimoji="1" lang="ja-JP" altLang="en-US" sz="1050"/>
+              <a:t>変更すると在庫変わる？</a:t>
+            </a:r>
             <a:endParaRPr kumimoji="1" lang="en-US" altLang="ja-JP" sz="1050" dirty="0"/>
           </a:p>
         </p:txBody>
@@ -9168,7 +9415,7 @@
         </p:nvSpPr>
         <p:spPr>
           <a:xfrm>
-            <a:off x="10381235" y="2506372"/>
+            <a:off x="10663228" y="2416431"/>
             <a:ext cx="1498397" cy="422649"/>
           </a:xfrm>
           <a:prstGeom prst="wedgeRoundRectCallout">
@@ -9434,11 +9681,17 @@
           <p:cNvGraphicFramePr>
             <a:graphicFrameLocks noGrp="1"/>
           </p:cNvGraphicFramePr>
-          <p:nvPr/>
+          <p:nvPr>
+            <p:extLst>
+              <p:ext uri="{D42A27DB-BD31-4B8C-83A1-F6EECF244321}">
+                <p14:modId xmlns:p14="http://schemas.microsoft.com/office/powerpoint/2010/main" val="1215549803"/>
+              </p:ext>
+            </p:extLst>
+          </p:nvPr>
         </p:nvGraphicFramePr>
         <p:xfrm>
           <a:off x="7138310" y="4985431"/>
-          <a:ext cx="3526326" cy="914400"/>
+          <a:ext cx="3554237" cy="1074420"/>
         </p:xfrm>
         <a:graphic>
           <a:graphicData uri="http://schemas.openxmlformats.org/drawingml/2006/table">
@@ -9447,42 +9700,42 @@
                 <a:tableStyleId>{2D5ABB26-0587-4C30-8999-92F81FD0307C}</a:tableStyleId>
               </a:tblPr>
               <a:tblGrid>
-                <a:gridCol w="587721">
+                <a:gridCol w="482740">
                   <a:extLst>
                     <a:ext uri="{9D8B030D-6E8A-4147-A177-3AD203B41FA5}">
                       <a16:colId xmlns:a16="http://schemas.microsoft.com/office/drawing/2014/main" val="3100274438"/>
                     </a:ext>
                   </a:extLst>
                 </a:gridCol>
-                <a:gridCol w="587721">
+                <a:gridCol w="426973">
                   <a:extLst>
                     <a:ext uri="{9D8B030D-6E8A-4147-A177-3AD203B41FA5}">
                       <a16:colId xmlns:a16="http://schemas.microsoft.com/office/drawing/2014/main" val="2889001833"/>
                     </a:ext>
                   </a:extLst>
                 </a:gridCol>
-                <a:gridCol w="587721">
+                <a:gridCol w="661131">
                   <a:extLst>
                     <a:ext uri="{9D8B030D-6E8A-4147-A177-3AD203B41FA5}">
                       <a16:colId xmlns:a16="http://schemas.microsoft.com/office/drawing/2014/main" val="3047732395"/>
                     </a:ext>
                   </a:extLst>
                 </a:gridCol>
-                <a:gridCol w="587721">
+                <a:gridCol w="661131">
                   <a:extLst>
                     <a:ext uri="{9D8B030D-6E8A-4147-A177-3AD203B41FA5}">
                       <a16:colId xmlns:a16="http://schemas.microsoft.com/office/drawing/2014/main" val="979822747"/>
                     </a:ext>
                   </a:extLst>
                 </a:gridCol>
-                <a:gridCol w="587721">
+                <a:gridCol w="661131">
                   <a:extLst>
                     <a:ext uri="{9D8B030D-6E8A-4147-A177-3AD203B41FA5}">
                       <a16:colId xmlns:a16="http://schemas.microsoft.com/office/drawing/2014/main" val="635935242"/>
                     </a:ext>
                   </a:extLst>
                 </a:gridCol>
-                <a:gridCol w="587721">
+                <a:gridCol w="661131">
                   <a:extLst>
                     <a:ext uri="{9D8B030D-6E8A-4147-A177-3AD203B41FA5}">
                       <a16:colId xmlns:a16="http://schemas.microsoft.com/office/drawing/2014/main" val="3848621456"/>
@@ -9498,13 +9751,8 @@
                     <a:p>
                       <a:r>
                         <a:rPr kumimoji="1" lang="ja-JP" altLang="en-US" sz="1050"/>
-                        <a:t>商品</a:t>
+                        <a:t>カテゴリ</a:t>
                       </a:r>
-                      <a:r>
-                        <a:rPr kumimoji="1" lang="en-US" altLang="ja-JP" sz="1050" dirty="0"/>
-                        <a:t>ID</a:t>
-                      </a:r>
-                      <a:endParaRPr kumimoji="1" lang="ja-JP" altLang="en-US" sz="1050"/>
                     </a:p>
                   </a:txBody>
                   <a:tcPr>
@@ -10558,7 +10806,15 @@
             </a:r>
             <a:r>
               <a:rPr kumimoji="1" lang="ja-JP" altLang="en-US" sz="1050"/>
-              <a:t>を購入しますか</a:t>
+              <a:t>を</a:t>
+            </a:r>
+            <a:r>
+              <a:rPr kumimoji="1" lang="en-US" altLang="ja-JP" sz="1050" dirty="0"/>
+              <a:t>o</a:t>
+            </a:r>
+            <a:r>
+              <a:rPr kumimoji="1" lang="ja-JP" altLang="en-US" sz="1050"/>
+              <a:t>個購入しますか</a:t>
             </a:r>
           </a:p>
         </p:txBody>
@@ -10764,6 +11020,267 @@
           <a:p>
             <a:pPr algn="ctr"/>
             <a:endParaRPr kumimoji="1" lang="ja-JP" altLang="en-US"/>
+          </a:p>
+        </p:txBody>
+      </p:sp>
+      <p:sp>
+        <p:nvSpPr>
+          <p:cNvPr id="2" name="正方形/長方形 1">
+            <a:extLst>
+              <a:ext uri="{FF2B5EF4-FFF2-40B4-BE49-F238E27FC236}">
+                <a16:creationId xmlns:a16="http://schemas.microsoft.com/office/drawing/2014/main" id="{6D2A1D2A-7577-1B44-A9A6-363B3493ED39}"/>
+              </a:ext>
+            </a:extLst>
+          </p:cNvPr>
+          <p:cNvSpPr/>
+          <p:nvPr/>
+        </p:nvSpPr>
+        <p:spPr>
+          <a:xfrm>
+            <a:off x="1734305" y="1106290"/>
+            <a:ext cx="1580708" cy="617306"/>
+          </a:xfrm>
+          <a:prstGeom prst="rect">
+            <a:avLst/>
+          </a:prstGeom>
+        </p:spPr>
+        <p:style>
+          <a:lnRef idx="2">
+            <a:schemeClr val="accent1">
+              <a:shade val="50000"/>
+            </a:schemeClr>
+          </a:lnRef>
+          <a:fillRef idx="1">
+            <a:schemeClr val="accent1"/>
+          </a:fillRef>
+          <a:effectRef idx="0">
+            <a:schemeClr val="accent1"/>
+          </a:effectRef>
+          <a:fontRef idx="minor">
+            <a:schemeClr val="lt1"/>
+          </a:fontRef>
+        </p:style>
+        <p:txBody>
+          <a:bodyPr rtlCol="0" anchor="ctr"/>
+          <a:lstStyle/>
+          <a:p>
+            <a:pPr algn="ctr"/>
+            <a:r>
+              <a:rPr kumimoji="1" lang="ja-JP" altLang="en-US"/>
+              <a:t>画像</a:t>
+            </a:r>
+          </a:p>
+        </p:txBody>
+      </p:sp>
+      <p:sp>
+        <p:nvSpPr>
+          <p:cNvPr id="37" name="正方形/長方形 36">
+            <a:extLst>
+              <a:ext uri="{FF2B5EF4-FFF2-40B4-BE49-F238E27FC236}">
+                <a16:creationId xmlns:a16="http://schemas.microsoft.com/office/drawing/2014/main" id="{5EBBD414-91AD-1C46-9B72-8A4043454B8D}"/>
+              </a:ext>
+            </a:extLst>
+          </p:cNvPr>
+          <p:cNvSpPr/>
+          <p:nvPr/>
+        </p:nvSpPr>
+        <p:spPr>
+          <a:xfrm>
+            <a:off x="2295573" y="2209835"/>
+            <a:ext cx="140455" cy="138425"/>
+          </a:xfrm>
+          <a:prstGeom prst="rect">
+            <a:avLst/>
+          </a:prstGeom>
+        </p:spPr>
+        <p:style>
+          <a:lnRef idx="2">
+            <a:schemeClr val="accent1">
+              <a:shade val="50000"/>
+            </a:schemeClr>
+          </a:lnRef>
+          <a:fillRef idx="1">
+            <a:schemeClr val="accent1"/>
+          </a:fillRef>
+          <a:effectRef idx="0">
+            <a:schemeClr val="accent1"/>
+          </a:effectRef>
+          <a:fontRef idx="minor">
+            <a:schemeClr val="lt1"/>
+          </a:fontRef>
+        </p:style>
+        <p:txBody>
+          <a:bodyPr rtlCol="0" anchor="ctr"/>
+          <a:lstStyle/>
+          <a:p>
+            <a:pPr algn="ctr"/>
+            <a:endParaRPr kumimoji="1" lang="ja-JP" altLang="en-US"/>
+          </a:p>
+        </p:txBody>
+      </p:sp>
+      <p:sp>
+        <p:nvSpPr>
+          <p:cNvPr id="40" name="正方形/長方形 39">
+            <a:extLst>
+              <a:ext uri="{FF2B5EF4-FFF2-40B4-BE49-F238E27FC236}">
+                <a16:creationId xmlns:a16="http://schemas.microsoft.com/office/drawing/2014/main" id="{281795DB-4971-A542-B974-12EA34C68C2B}"/>
+              </a:ext>
+            </a:extLst>
+          </p:cNvPr>
+          <p:cNvSpPr/>
+          <p:nvPr/>
+        </p:nvSpPr>
+        <p:spPr>
+          <a:xfrm>
+            <a:off x="2295573" y="2022238"/>
+            <a:ext cx="140455" cy="116513"/>
+          </a:xfrm>
+          <a:prstGeom prst="rect">
+            <a:avLst/>
+          </a:prstGeom>
+        </p:spPr>
+        <p:style>
+          <a:lnRef idx="2">
+            <a:schemeClr val="accent1">
+              <a:shade val="50000"/>
+            </a:schemeClr>
+          </a:lnRef>
+          <a:fillRef idx="1">
+            <a:schemeClr val="accent1"/>
+          </a:fillRef>
+          <a:effectRef idx="0">
+            <a:schemeClr val="accent1"/>
+          </a:effectRef>
+          <a:fontRef idx="minor">
+            <a:schemeClr val="lt1"/>
+          </a:fontRef>
+        </p:style>
+        <p:txBody>
+          <a:bodyPr rtlCol="0" anchor="ctr"/>
+          <a:lstStyle/>
+          <a:p>
+            <a:pPr algn="ctr"/>
+            <a:endParaRPr kumimoji="1" lang="ja-JP" altLang="en-US"/>
+          </a:p>
+        </p:txBody>
+      </p:sp>
+      <p:sp>
+        <p:nvSpPr>
+          <p:cNvPr id="44" name="角丸四角形吹き出し 43">
+            <a:extLst>
+              <a:ext uri="{FF2B5EF4-FFF2-40B4-BE49-F238E27FC236}">
+                <a16:creationId xmlns:a16="http://schemas.microsoft.com/office/drawing/2014/main" id="{0F26474A-659F-4143-AEB1-2E42F14670BC}"/>
+              </a:ext>
+            </a:extLst>
+          </p:cNvPr>
+          <p:cNvSpPr/>
+          <p:nvPr/>
+        </p:nvSpPr>
+        <p:spPr>
+          <a:xfrm>
+            <a:off x="2357581" y="3780832"/>
+            <a:ext cx="1119883" cy="438053"/>
+          </a:xfrm>
+          <a:prstGeom prst="wedgeRoundRectCallout">
+            <a:avLst>
+              <a:gd name="adj1" fmla="val -53184"/>
+              <a:gd name="adj2" fmla="val -145559"/>
+              <a:gd name="adj3" fmla="val 16667"/>
+            </a:avLst>
+          </a:prstGeom>
+        </p:spPr>
+        <p:style>
+          <a:lnRef idx="2">
+            <a:schemeClr val="accent2"/>
+          </a:lnRef>
+          <a:fillRef idx="1">
+            <a:schemeClr val="lt1"/>
+          </a:fillRef>
+          <a:effectRef idx="0">
+            <a:schemeClr val="accent2"/>
+          </a:effectRef>
+          <a:fontRef idx="minor">
+            <a:schemeClr val="dk1"/>
+          </a:fontRef>
+        </p:style>
+        <p:txBody>
+          <a:bodyPr rtlCol="0" anchor="ctr"/>
+          <a:lstStyle/>
+          <a:p>
+            <a:pPr algn="ctr"/>
+            <a:r>
+              <a:rPr kumimoji="1" lang="ja-JP" altLang="en-US" sz="1050"/>
+              <a:t>データベース</a:t>
+            </a:r>
+            <a:endParaRPr kumimoji="1" lang="en-US" altLang="ja-JP" sz="1050" dirty="0"/>
+          </a:p>
+        </p:txBody>
+      </p:sp>
+      <p:sp>
+        <p:nvSpPr>
+          <p:cNvPr id="45" name="角丸四角形吹き出し 44">
+            <a:extLst>
+              <a:ext uri="{FF2B5EF4-FFF2-40B4-BE49-F238E27FC236}">
+                <a16:creationId xmlns:a16="http://schemas.microsoft.com/office/drawing/2014/main" id="{0A588D64-6A26-CA40-820F-F731E907F330}"/>
+              </a:ext>
+            </a:extLst>
+          </p:cNvPr>
+          <p:cNvSpPr/>
+          <p:nvPr/>
+        </p:nvSpPr>
+        <p:spPr>
+          <a:xfrm>
+            <a:off x="1876086" y="4489018"/>
+            <a:ext cx="1601378" cy="503095"/>
+          </a:xfrm>
+          <a:prstGeom prst="wedgeRoundRectCallout">
+            <a:avLst>
+              <a:gd name="adj1" fmla="val -42185"/>
+              <a:gd name="adj2" fmla="val -266229"/>
+              <a:gd name="adj3" fmla="val 16667"/>
+            </a:avLst>
+          </a:prstGeom>
+        </p:spPr>
+        <p:style>
+          <a:lnRef idx="2">
+            <a:schemeClr val="accent2"/>
+          </a:lnRef>
+          <a:fillRef idx="1">
+            <a:schemeClr val="lt1"/>
+          </a:fillRef>
+          <a:effectRef idx="0">
+            <a:schemeClr val="accent2"/>
+          </a:effectRef>
+          <a:fontRef idx="minor">
+            <a:schemeClr val="dk1"/>
+          </a:fontRef>
+        </p:style>
+        <p:txBody>
+          <a:bodyPr rtlCol="0" anchor="ctr"/>
+          <a:lstStyle/>
+          <a:p>
+            <a:pPr algn="ctr"/>
+            <a:r>
+              <a:rPr lang="ja-JP" altLang="en-US" sz="1050"/>
+              <a:t>＋売上ランキング</a:t>
+            </a:r>
+            <a:endParaRPr lang="en-US" altLang="ja-JP" sz="1050" dirty="0"/>
+          </a:p>
+          <a:p>
+            <a:pPr algn="ctr"/>
+            <a:r>
+              <a:rPr kumimoji="1" lang="ja-JP" altLang="en-US" sz="1050"/>
+              <a:t>＋新着</a:t>
+            </a:r>
+            <a:endParaRPr kumimoji="1" lang="en-US" altLang="ja-JP" sz="1050" dirty="0"/>
+          </a:p>
+          <a:p>
+            <a:pPr algn="ctr"/>
+            <a:r>
+              <a:rPr lang="ja-JP" altLang="en-US" sz="1050"/>
+              <a:t>のカテゴリ</a:t>
+            </a:r>
+            <a:endParaRPr kumimoji="1" lang="en-US" altLang="ja-JP" sz="1050" dirty="0"/>
           </a:p>
         </p:txBody>
       </p:sp>
@@ -13930,7 +14447,7 @@
           <p:nvPr>
             <p:extLst>
               <p:ext uri="{D42A27DB-BD31-4B8C-83A1-F6EECF244321}">
-                <p14:modId xmlns:p14="http://schemas.microsoft.com/office/powerpoint/2010/main" val="1331839028"/>
+                <p14:modId xmlns:p14="http://schemas.microsoft.com/office/powerpoint/2010/main" val="2115389043"/>
               </p:ext>
             </p:extLst>
           </p:nvPr>
@@ -14808,17 +15325,7 @@
                     <a:bodyPr/>
                     <a:lstStyle/>
                     <a:p>
-                      <a:r>
-                        <a:rPr kumimoji="1" lang="ja-JP" altLang="en-US" sz="1050"/>
-                        <a:t>色</a:t>
-                      </a:r>
-                      <a:endParaRPr kumimoji="1" lang="en-US" altLang="ja-JP" sz="1050" dirty="0"/>
-                    </a:p>
-                    <a:p>
-                      <a:r>
-                        <a:rPr kumimoji="1" lang="ja-JP" altLang="en-US" sz="1050"/>
-                        <a:t>追加</a:t>
-                      </a:r>
+                      <a:endParaRPr kumimoji="1" lang="ja-JP" altLang="en-US" sz="1050"/>
                     </a:p>
                   </a:txBody>
                   <a:tcPr>
@@ -17751,7 +18258,7 @@
         <p:spPr>
           <a:xfrm>
             <a:off x="5371919" y="739442"/>
-            <a:ext cx="512387" cy="485990"/>
+            <a:ext cx="512387" cy="2611592"/>
           </a:xfrm>
           <a:prstGeom prst="roundRect">
             <a:avLst/>
@@ -17989,7 +18496,7 @@
         </p:nvSpPr>
         <p:spPr>
           <a:xfrm>
-            <a:off x="7792063" y="1270196"/>
+            <a:off x="8245208" y="1594893"/>
             <a:ext cx="1887977" cy="457869"/>
           </a:xfrm>
           <a:prstGeom prst="wedgeRoundRectCallout">
@@ -18868,7 +19375,7 @@
         </p:nvSpPr>
         <p:spPr>
           <a:xfrm>
-            <a:off x="9799872" y="4386608"/>
+            <a:off x="10021601" y="4427142"/>
             <a:ext cx="1580709" cy="253259"/>
           </a:xfrm>
           <a:prstGeom prst="rect">
@@ -19044,6 +19551,102 @@
               <a:t>在庫編集ページ</a:t>
             </a:r>
             <a:endParaRPr kumimoji="1" lang="ja-JP" altLang="en-US" sz="1050"/>
+          </a:p>
+        </p:txBody>
+      </p:sp>
+      <p:sp>
+        <p:nvSpPr>
+          <p:cNvPr id="59" name="テキスト ボックス 58">
+            <a:extLst>
+              <a:ext uri="{FF2B5EF4-FFF2-40B4-BE49-F238E27FC236}">
+                <a16:creationId xmlns:a16="http://schemas.microsoft.com/office/drawing/2014/main" id="{C8CBA8A6-E366-4C4A-95D6-8619B4677E6D}"/>
+              </a:ext>
+            </a:extLst>
+          </p:cNvPr>
+          <p:cNvSpPr txBox="1"/>
+          <p:nvPr/>
+        </p:nvSpPr>
+        <p:spPr>
+          <a:xfrm>
+            <a:off x="5236146" y="3436933"/>
+            <a:ext cx="2270767" cy="253916"/>
+          </a:xfrm>
+          <a:prstGeom prst="rect">
+            <a:avLst/>
+          </a:prstGeom>
+          <a:noFill/>
+        </p:spPr>
+        <p:txBody>
+          <a:bodyPr wrap="square" rtlCol="0">
+            <a:spAutoFit/>
+          </a:bodyPr>
+          <a:lstStyle/>
+          <a:p>
+            <a:pPr algn="ctr"/>
+            <a:r>
+              <a:rPr kumimoji="1" lang="ja-JP" altLang="en-US" sz="1050"/>
+              <a:t>↑＋色</a:t>
+            </a:r>
+            <a:r>
+              <a:rPr kumimoji="1" lang="en-US" altLang="ja-JP" sz="1050" dirty="0"/>
+              <a:t>ID</a:t>
+            </a:r>
+            <a:r>
+              <a:rPr kumimoji="1" lang="ja-JP" altLang="en-US" sz="1050"/>
+              <a:t>・カテゴリの追加画面</a:t>
+            </a:r>
+          </a:p>
+        </p:txBody>
+      </p:sp>
+      <p:sp>
+        <p:nvSpPr>
+          <p:cNvPr id="64" name="角丸四角形吹き出し 63">
+            <a:extLst>
+              <a:ext uri="{FF2B5EF4-FFF2-40B4-BE49-F238E27FC236}">
+                <a16:creationId xmlns:a16="http://schemas.microsoft.com/office/drawing/2014/main" id="{18544BF1-69D8-3D49-B0B1-828DAA9CAD19}"/>
+              </a:ext>
+            </a:extLst>
+          </p:cNvPr>
+          <p:cNvSpPr/>
+          <p:nvPr/>
+        </p:nvSpPr>
+        <p:spPr>
+          <a:xfrm>
+            <a:off x="695396" y="2960302"/>
+            <a:ext cx="1585054" cy="377818"/>
+          </a:xfrm>
+          <a:prstGeom prst="wedgeRoundRectCallout">
+            <a:avLst>
+              <a:gd name="adj1" fmla="val -15326"/>
+              <a:gd name="adj2" fmla="val -161365"/>
+              <a:gd name="adj3" fmla="val 16667"/>
+            </a:avLst>
+          </a:prstGeom>
+        </p:spPr>
+        <p:style>
+          <a:lnRef idx="2">
+            <a:schemeClr val="accent2"/>
+          </a:lnRef>
+          <a:fillRef idx="1">
+            <a:schemeClr val="lt1"/>
+          </a:fillRef>
+          <a:effectRef idx="0">
+            <a:schemeClr val="accent2"/>
+          </a:effectRef>
+          <a:fontRef idx="minor">
+            <a:schemeClr val="dk1"/>
+          </a:fontRef>
+        </p:style>
+        <p:txBody>
+          <a:bodyPr rtlCol="0" anchor="ctr"/>
+          <a:lstStyle/>
+          <a:p>
+            <a:pPr algn="ctr"/>
+            <a:r>
+              <a:rPr kumimoji="1" lang="ja-JP" altLang="en-US" sz="1050"/>
+              <a:t>商品名でソート</a:t>
+            </a:r>
+            <a:endParaRPr kumimoji="1" lang="en-US" altLang="ja-JP" sz="1050" dirty="0"/>
           </a:p>
         </p:txBody>
       </p:sp>
